--- a/Result/Child of one_Maickery.pptx
+++ b/Result/Child of one_Maickery.pptx
@@ -37,37 +37,37 @@
   <p:notesSz cx="6858000" cy="9144000"/>
   <p:embeddedFontLst>
     <p:embeddedFont>
-      <p:font typeface="Teko" charset="0"/>
+      <p:font typeface="Teko" panose="020B0604020202020204" charset="0"/>
       <p:regular r:id="rId27"/>
       <p:bold r:id="rId28"/>
     </p:embeddedFont>
     <p:embeddedFont>
-      <p:font typeface="Century Schoolbook" pitchFamily="18" charset="0"/>
+      <p:font typeface="Arial Rounded MT Bold" panose="020F0704030504030204" pitchFamily="34" charset="0"/>
       <p:regular r:id="rId29"/>
-      <p:bold r:id="rId30"/>
-      <p:italic r:id="rId31"/>
-      <p:boldItalic r:id="rId32"/>
     </p:embeddedFont>
     <p:embeddedFont>
-      <p:font typeface="Bell MT" pitchFamily="18" charset="0"/>
-      <p:regular r:id="rId33"/>
-      <p:bold r:id="rId34"/>
-      <p:italic r:id="rId35"/>
+      <p:font typeface="Century Schoolbook" panose="02040604050505020304" pitchFamily="18" charset="0"/>
+      <p:regular r:id="rId30"/>
+      <p:bold r:id="rId31"/>
+      <p:italic r:id="rId32"/>
+      <p:boldItalic r:id="rId33"/>
     </p:embeddedFont>
     <p:embeddedFont>
-      <p:font typeface="Calibri" pitchFamily="34" charset="0"/>
-      <p:regular r:id="rId36"/>
-      <p:bold r:id="rId37"/>
-      <p:italic r:id="rId38"/>
-      <p:boldItalic r:id="rId39"/>
+      <p:font typeface="MS Mincho" panose="020B0604020202020204" charset="-128"/>
+      <p:regular r:id="rId34"/>
     </p:embeddedFont>
     <p:embeddedFont>
-      <p:font typeface="Arial Rounded MT Bold" pitchFamily="34" charset="0"/>
-      <p:regular r:id="rId40"/>
+      <p:font typeface="Bell MT" panose="02020503060305020303" pitchFamily="18" charset="0"/>
+      <p:regular r:id="rId35"/>
+      <p:bold r:id="rId36"/>
+      <p:italic r:id="rId37"/>
     </p:embeddedFont>
     <p:embeddedFont>
-      <p:font typeface="MS Mincho" pitchFamily="49" charset="-128"/>
-      <p:regular r:id="rId41"/>
+      <p:font typeface="Calibri" panose="020F0502020204030204" pitchFamily="34" charset="0"/>
+      <p:regular r:id="rId38"/>
+      <p:bold r:id="rId39"/>
+      <p:italic r:id="rId40"/>
+      <p:boldItalic r:id="rId41"/>
     </p:embeddedFont>
   </p:embeddedFontLst>
   <p:defaultTextStyle>
@@ -301,7 +301,7 @@
   </p:defaultTextStyle>
   <p:extLst>
     <p:ext uri="{EFAFB233-063F-42B5-8137-9DF3F51BA10A}">
-      <p15:sldGuideLst xmlns:ahyp="http://schemas.microsoft.com/office/drawing/2018/hyperlinkcolor" xmlns:p15="http://schemas.microsoft.com/office/powerpoint/2012/main" xmlns:p14="http://schemas.microsoft.com/office/powerpoint/2010/main" xmlns:com="http://schemas.openxmlformats.org/drawingml/2006/compatibility" xmlns:pvml="urn:schemas-microsoft-com:office:powerpoint" xmlns:v="urn:schemas-microsoft-com:vml" xmlns:o="urn:schemas-microsoft-com:office:office" xmlns:dgm="http://schemas.openxmlformats.org/drawingml/2006/diagram" xmlns:c="http://schemas.openxmlformats.org/drawingml/2006/chart" xmlns:mv="urn:schemas-microsoft-com:mac:vml" xmlns:mc="http://schemas.openxmlformats.org/markup-compatibility/2006" xmlns="">
+      <p15:sldGuideLst xmlns:p15="http://schemas.microsoft.com/office/powerpoint/2012/main">
         <p15:guide id="1" orient="horz" pos="2160">
           <p15:clr>
             <a:srgbClr val="A4A3A4"/>
@@ -1271,7 +1271,7 @@
                 </a:spcAft>
                 <a:buNone/>
               </a:pPr>
-              <a:t>‹N°›</a:t>
+              <a:t>‹#›</a:t>
             </a:fld>
             <a:endParaRPr sz="1200" b="0" i="0" u="none" strike="noStrike" cap="none">
               <a:solidFill>
@@ -4846,7 +4846,7 @@
                 </a:spcAft>
                 <a:buNone/>
               </a:pPr>
-              <a:t>‹N°›</a:t>
+              <a:t>‹#›</a:t>
             </a:fld>
             <a:endParaRPr/>
           </a:p>
@@ -5914,7 +5914,7 @@
                 </a:spcAft>
                 <a:buNone/>
               </a:pPr>
-              <a:t>‹N°›</a:t>
+              <a:t>‹#›</a:t>
             </a:fld>
             <a:endParaRPr/>
           </a:p>
@@ -6623,7 +6623,7 @@
                 </a:spcAft>
                 <a:buNone/>
               </a:pPr>
-              <a:t>‹N°›</a:t>
+              <a:t>‹#›</a:t>
             </a:fld>
             <a:endParaRPr/>
           </a:p>
@@ -7332,7 +7332,7 @@
                 </a:spcAft>
                 <a:buNone/>
               </a:pPr>
-              <a:t>‹N°›</a:t>
+              <a:t>‹#›</a:t>
             </a:fld>
             <a:endParaRPr/>
           </a:p>
@@ -8041,7 +8041,7 @@
                 </a:spcAft>
                 <a:buNone/>
               </a:pPr>
-              <a:t>‹N°›</a:t>
+              <a:t>‹#›</a:t>
             </a:fld>
             <a:endParaRPr/>
           </a:p>
@@ -8847,7 +8847,7 @@
                 </a:spcAft>
                 <a:buNone/>
               </a:pPr>
-              <a:t>‹N°›</a:t>
+              <a:t>‹#›</a:t>
             </a:fld>
             <a:endParaRPr/>
           </a:p>
@@ -9633,7 +9633,7 @@
                 </a:spcAft>
                 <a:buNone/>
               </a:pPr>
-              <a:t>‹N°›</a:t>
+              <a:t>‹#›</a:t>
             </a:fld>
             <a:endParaRPr/>
           </a:p>
@@ -10542,7 +10542,7 @@
                 </a:spcAft>
                 <a:buNone/>
               </a:pPr>
-              <a:t>‹N°›</a:t>
+              <a:t>‹#›</a:t>
             </a:fld>
             <a:endParaRPr/>
           </a:p>
@@ -11743,7 +11743,7 @@
                 </a:spcAft>
                 <a:buNone/>
               </a:pPr>
-              <a:t>‹N°›</a:t>
+              <a:t>‹#›</a:t>
             </a:fld>
             <a:endParaRPr/>
           </a:p>
@@ -12292,7 +12292,7 @@
                 </a:spcAft>
                 <a:buNone/>
               </a:pPr>
-              <a:t>‹N°›</a:t>
+              <a:t>‹#›</a:t>
             </a:fld>
             <a:endParaRPr/>
           </a:p>
@@ -12702,7 +12702,7 @@
                 </a:spcAft>
                 <a:buNone/>
               </a:pPr>
-              <a:t>‹N°›</a:t>
+              <a:t>‹#›</a:t>
             </a:fld>
             <a:endParaRPr/>
           </a:p>
@@ -13572,7 +13572,7 @@
                 </a:spcAft>
                 <a:buNone/>
               </a:pPr>
-              <a:t>‹N°›</a:t>
+              <a:t>‹#›</a:t>
             </a:fld>
             <a:endParaRPr/>
           </a:p>
@@ -14662,7 +14662,7 @@
                 </a:spcAft>
                 <a:buNone/>
               </a:pPr>
-              <a:t>‹N°›</a:t>
+              <a:t>‹#›</a:t>
             </a:fld>
             <a:endParaRPr/>
           </a:p>
@@ -16443,7 +16443,7 @@
                 </a:spcAft>
                 <a:buNone/>
               </a:pPr>
-              <a:t>‹N°›</a:t>
+              <a:t>‹#›</a:t>
             </a:fld>
             <a:endParaRPr/>
           </a:p>
@@ -20924,13 +20924,7 @@
               <a:rPr lang="en-US" sz="2200" dirty="0" smtClean="0">
                 <a:latin typeface="Bell MT" pitchFamily="18" charset="0"/>
               </a:rPr>
-              <a:t>dolescents </a:t>
-            </a:r>
-            <a:r>
-              <a:rPr lang="en-US" sz="2200" dirty="0" smtClean="0">
-                <a:latin typeface="Bell MT" pitchFamily="18" charset="0"/>
-              </a:rPr>
-              <a:t>between the ages of 10 and 19 make up about 22% of the population.</a:t>
+              <a:t>dolescents between the ages of 10 and 19 make up about 22% of the population.</a:t>
             </a:r>
             <a:endParaRPr lang="en-US" sz="2200" dirty="0" smtClean="0">
               <a:latin typeface="Bell MT" pitchFamily="18" charset="0"/>
@@ -21325,19 +21319,7 @@
                 <a:cs typeface="Bell MT"/>
                 <a:sym typeface="Bell MT"/>
               </a:rPr>
-              <a:t>Does</a:t>
-            </a:r>
-            <a:r>
-              <a:rPr lang="en-US" sz="2400" b="1" dirty="0" smtClean="0">
-                <a:solidFill>
-                  <a:srgbClr val="002060"/>
-                </a:solidFill>
-                <a:latin typeface="Bell MT"/>
-                <a:ea typeface="Bell MT"/>
-                <a:cs typeface="Bell MT"/>
-                <a:sym typeface="Bell MT"/>
-              </a:rPr>
-              <a:t> </a:t>
+              <a:t>Does </a:t>
             </a:r>
             <a:r>
               <a:rPr lang="en-US" sz="2400" b="1" dirty="0">
@@ -21640,16 +21622,7 @@
                 <a:cs typeface="Bell MT"/>
                 <a:sym typeface="Bell MT"/>
               </a:rPr>
-              <a:t>It </a:t>
-            </a:r>
-            <a:r>
-              <a:rPr lang="en-US" sz="2200" dirty="0" smtClean="0">
-                <a:latin typeface="Bell MT" pitchFamily="18" charset="0"/>
-                <a:ea typeface="Bell MT"/>
-                <a:cs typeface="Bell MT"/>
-                <a:sym typeface="Bell MT"/>
-              </a:rPr>
-              <a:t>may include the expression and discussion of feelings of love, sexual practices, sexual and reproductive health, consent and mutual respect.</a:t>
+              <a:t>It may include the expression and discussion of feelings of love, sexual practices, sexual and reproductive health, consent and mutual respect.</a:t>
             </a:r>
             <a:endParaRPr lang="en-US" sz="2200" dirty="0" smtClean="0">
               <a:latin typeface="Bell MT" pitchFamily="18" charset="0"/>
@@ -21730,52 +21703,7 @@
                 <a:cs typeface="Bell MT"/>
                 <a:sym typeface="Bell MT"/>
               </a:rPr>
-              <a:t>An educational reintegration </a:t>
-            </a:r>
-            <a:r>
-              <a:rPr lang="en-US" sz="2200" dirty="0" smtClean="0">
-                <a:latin typeface="Bell MT" pitchFamily="18" charset="0"/>
-                <a:ea typeface="Bell MT"/>
-                <a:cs typeface="Bell MT"/>
-                <a:sym typeface="Bell MT"/>
-              </a:rPr>
-              <a:t>program </a:t>
-            </a:r>
-            <a:r>
-              <a:rPr lang="en-US" sz="2200" dirty="0" smtClean="0">
-                <a:latin typeface="Bell MT" pitchFamily="18" charset="0"/>
-                <a:ea typeface="Bell MT"/>
-                <a:cs typeface="Bell MT"/>
-                <a:sym typeface="Bell MT"/>
-              </a:rPr>
-              <a:t>should be set up for them, which will be parallel to a </a:t>
-            </a:r>
-            <a:r>
-              <a:rPr lang="en-US" sz="2200" dirty="0" smtClean="0">
-                <a:latin typeface="Bell MT" pitchFamily="18" charset="0"/>
-                <a:ea typeface="Bell MT"/>
-                <a:cs typeface="Bell MT"/>
-                <a:sym typeface="Bell MT"/>
-              </a:rPr>
-              <a:t>program </a:t>
-            </a:r>
-            <a:r>
-              <a:rPr lang="en-US" sz="2200" dirty="0" smtClean="0">
-                <a:latin typeface="Bell MT" pitchFamily="18" charset="0"/>
-                <a:ea typeface="Bell MT"/>
-                <a:cs typeface="Bell MT"/>
-                <a:sym typeface="Bell MT"/>
-              </a:rPr>
-              <a:t>of odd jobs conditional on prior training which they will have received in relation to the educational level they have reached before giving birth</a:t>
-            </a:r>
-            <a:r>
-              <a:rPr lang="en-US" sz="2200" dirty="0" smtClean="0">
-                <a:latin typeface="Bell MT" pitchFamily="18" charset="0"/>
-                <a:ea typeface="Bell MT"/>
-                <a:cs typeface="Bell MT"/>
-                <a:sym typeface="Bell MT"/>
-              </a:rPr>
-              <a:t>.</a:t>
+              <a:t>An educational reintegration program should be set up for them, which will be parallel to a program of odd jobs conditional on prior training which they will have received in relation to the educational level they have reached before giving birth.</a:t>
             </a:r>
             <a:endParaRPr sz="2200" b="1">
               <a:solidFill>
@@ -22552,15 +22480,6 @@
               </a:rPr>
               <a:t>  Data Analyst to be.</a:t>
             </a:r>
-            <a:endParaRPr lang="en-US" sz="3200" dirty="0" smtClean="0">
-              <a:solidFill>
-                <a:schemeClr val="lt1"/>
-              </a:solidFill>
-              <a:latin typeface="MS Mincho" pitchFamily="49" charset="-128"/>
-              <a:ea typeface="MS Mincho" pitchFamily="49" charset="-128"/>
-              <a:cs typeface="Teko"/>
-              <a:sym typeface="Teko"/>
-            </a:endParaRPr>
           </a:p>
           <a:p>
             <a:pPr marL="0" marR="0" lvl="0" indent="0" algn="ctr" rtl="0">
@@ -26153,8 +26072,8 @@
         </p:blipFill>
         <p:spPr>
           <a:xfrm>
-            <a:off x="0" y="0"/>
-            <a:ext cx="11291455" cy="6858000"/>
+            <a:off x="4793673" y="2286000"/>
+            <a:ext cx="6319561" cy="4267201"/>
           </a:xfrm>
           <a:prstGeom prst="rect">
             <a:avLst/>
@@ -26163,6 +26082,36 @@
           <a:ln>
             <a:noFill/>
           </a:ln>
+        </p:spPr>
+      </p:pic>
+      <p:pic>
+        <p:nvPicPr>
+          <p:cNvPr id="2" name="Picture 1"/>
+          <p:cNvPicPr>
+            <a:picLocks noChangeAspect="1"/>
+          </p:cNvPicPr>
+          <p:nvPr/>
+        </p:nvPicPr>
+        <p:blipFill>
+          <a:blip r:embed="rId4"/>
+          <a:stretch>
+            <a:fillRect/>
+          </a:stretch>
+        </p:blipFill>
+        <p:spPr>
+          <a:xfrm>
+            <a:off x="0" y="0"/>
+            <a:ext cx="5444836" cy="4563291"/>
+          </a:xfrm>
+          <a:prstGeom prst="rect">
+            <a:avLst/>
+          </a:prstGeom>
+          <a:ln>
+            <a:noFill/>
+          </a:ln>
+          <a:effectLst>
+            <a:softEdge rad="112500"/>
+          </a:effectLst>
         </p:spPr>
       </p:pic>
     </p:spTree>
